--- a/ChronOS_PPT.pptx
+++ b/ChronOS_PPT.pptx
@@ -3963,6 +3963,7 @@
   <p:clrMapOvr>
     <a:masterClrMapping/>
   </p:clrMapOvr>
+  <p:transition advTm="1748"/>
 </p:sld>
 </file>
 
@@ -4323,6 +4324,7 @@
   <p:clrMapOvr>
     <a:masterClrMapping/>
   </p:clrMapOvr>
+  <p:transition advTm="436"/>
 </p:sld>
 </file>
 
@@ -4825,6 +4827,7 @@
   <p:clrMapOvr>
     <a:masterClrMapping/>
   </p:clrMapOvr>
+  <p:transition advTm="357"/>
 </p:sld>
 </file>
 
@@ -5269,6 +5272,7 @@
   <p:clrMapOvr>
     <a:masterClrMapping/>
   </p:clrMapOvr>
+  <p:transition advTm="238"/>
 </p:sld>
 </file>
 
@@ -5533,6 +5537,7 @@
   <p:clrMapOvr>
     <a:masterClrMapping/>
   </p:clrMapOvr>
+  <p:transition advTm="157"/>
 </p:sld>
 </file>
 
@@ -5649,7 +5654,7 @@
         <p:spPr>
           <a:xfrm>
             <a:off x="838200" y="1825625"/>
-            <a:ext cx="4834255" cy="4117975"/>
+            <a:ext cx="4001135" cy="4117975"/>
           </a:xfrm>
         </p:spPr>
         <p:txBody>
@@ -5862,7 +5867,7 @@
       </p:sp>
       <p:pic>
         <p:nvPicPr>
-          <p:cNvPr id="6" name="Picture 5"/>
+          <p:cNvPr id="8" name="图片 7"/>
           <p:cNvPicPr>
             <a:picLocks noChangeAspect="1"/>
           </p:cNvPicPr>
@@ -5876,8 +5881,8 @@
         </p:blipFill>
         <p:spPr>
           <a:xfrm>
-            <a:off x="5461635" y="1165860"/>
-            <a:ext cx="6656705" cy="4526915"/>
+            <a:off x="4838700" y="928370"/>
+            <a:ext cx="7353300" cy="5000625"/>
           </a:xfrm>
           <a:prstGeom prst="rect">
             <a:avLst/>
@@ -5889,6 +5894,7 @@
   <p:clrMapOvr>
     <a:masterClrMapping/>
   </p:clrMapOvr>
+  <p:transition advTm="119"/>
 </p:sld>
 </file>
 
@@ -6139,8 +6145,8 @@
         </p:blipFill>
         <p:spPr>
           <a:xfrm>
-            <a:off x="6238875" y="2049145"/>
-            <a:ext cx="5341620" cy="3632200"/>
+            <a:off x="4440555" y="833120"/>
+            <a:ext cx="7129780" cy="4848225"/>
           </a:xfrm>
           <a:prstGeom prst="rect">
             <a:avLst/>
@@ -6156,7 +6162,7 @@
         <p:spPr>
           <a:xfrm>
             <a:off x="761365" y="1821180"/>
-            <a:ext cx="4893945" cy="1198880"/>
+            <a:ext cx="3679190" cy="1198880"/>
           </a:xfrm>
           <a:prstGeom prst="rect">
             <a:avLst/>
@@ -6230,6 +6236,7 @@
   <p:clrMapOvr>
     <a:masterClrMapping/>
   </p:clrMapOvr>
+  <p:transition advTm="158"/>
 </p:sld>
 </file>
 
@@ -6258,7 +6265,7 @@
         </p:nvSpPr>
         <p:spPr>
           <a:xfrm>
-            <a:off x="-72571" y="-237067"/>
+            <a:off x="411299" y="-688552"/>
             <a:ext cx="12390361" cy="7179734"/>
           </a:xfrm>
           <a:prstGeom prst="rect">
@@ -6681,6 +6688,7 @@
   <p:clrMapOvr>
     <a:masterClrMapping/>
   </p:clrMapOvr>
+  <p:transition advTm="1150"/>
 </p:sld>
 </file>
 
@@ -7038,6 +7046,7 @@
   <p:clrMapOvr>
     <a:masterClrMapping/>
   </p:clrMapOvr>
+  <p:transition advTm="279"/>
 </p:sld>
 </file>
 
@@ -7173,7 +7182,7 @@
                 <a:latin typeface="Calibri" panose="020F0502020204030204" pitchFamily="34" charset="0"/>
                 <a:cs typeface="Calibri" panose="020F0502020204030204" pitchFamily="34" charset="0"/>
               </a:rPr>
-              <a:t>Setup from scratch - Go ahead for simple task</a:t>
+              <a:t>Setup from scratch - Set up environment &amp; Go ahead for simple task</a:t>
             </a:r>
             <a:endParaRPr lang="en-US" altLang="en-GB" b="1" dirty="0">
               <a:solidFill>
@@ -7192,7 +7201,7 @@
                 <a:latin typeface="Calibri" panose="020F0502020204030204" pitchFamily="34" charset="0"/>
                 <a:cs typeface="Calibri" panose="020F0502020204030204" pitchFamily="34" charset="0"/>
               </a:rPr>
-              <a:t>Live for results, for testing</a:t>
+              <a:t>Live demo show result, and testing. Success or fail</a:t>
             </a:r>
             <a:endParaRPr lang="en-US" altLang="en-GB" b="1" dirty="0">
               <a:solidFill>
@@ -7334,6 +7343,7 @@
   <p:clrMapOvr>
     <a:masterClrMapping/>
   </p:clrMapOvr>
+  <p:transition advTm="11937"/>
 </p:sld>
 </file>
 
@@ -7542,6 +7552,7 @@
   <p:clrMapOvr>
     <a:masterClrMapping/>
   </p:clrMapOvr>
+  <p:transition advTm="1112"/>
 </p:sld>
 </file>
 
@@ -8161,6 +8172,7 @@
   <p:clrMapOvr>
     <a:masterClrMapping/>
   </p:clrMapOvr>
+  <p:transition advTm="2301"/>
 </p:sld>
 </file>
 
@@ -8579,6 +8591,7 @@
   <p:clrMapOvr>
     <a:masterClrMapping/>
   </p:clrMapOvr>
+  <p:transition advTm="4400"/>
 </p:sld>
 </file>
 
@@ -8927,6 +8940,7 @@
   <p:clrMapOvr>
     <a:masterClrMapping/>
   </p:clrMapOvr>
+  <p:transition advTm="356"/>
 </p:sld>
 </file>
 
@@ -9295,6 +9309,7 @@
   <p:clrMapOvr>
     <a:masterClrMapping/>
   </p:clrMapOvr>
+  <p:transition advTm="237"/>
 </p:sld>
 </file>
 
@@ -9679,6 +9694,7 @@
   <p:clrMapOvr>
     <a:masterClrMapping/>
   </p:clrMapOvr>
+  <p:transition advTm="198"/>
 </p:sld>
 </file>
 
@@ -10208,6 +10224,7 @@
   <p:clrMapOvr>
     <a:masterClrMapping/>
   </p:clrMapOvr>
+  <p:transition advTm="476"/>
 </p:sld>
 </file>
 
@@ -10582,6 +10599,7 @@
   <p:clrMapOvr>
     <a:masterClrMapping/>
   </p:clrMapOvr>
+  <p:transition advTm="158"/>
 </p:sld>
 </file>
 
@@ -10910,6 +10928,7 @@
   <p:clrMapOvr>
     <a:masterClrMapping/>
   </p:clrMapOvr>
+  <p:transition advTm="198"/>
 </p:sld>
 </file>
 
